--- a/Презентация.pptx
+++ b/Презентация.pptx
@@ -5,7 +5,7 @@
     <p:sldMasterId id="2147483648" r:id="rId1"/>
   </p:sldMasterIdLst>
   <p:notesMasterIdLst>
-    <p:notesMasterId r:id="rId11"/>
+    <p:notesMasterId r:id="rId12"/>
   </p:notesMasterIdLst>
   <p:sldIdLst>
     <p:sldId id="256" r:id="rId2"/>
@@ -14,9 +14,10 @@
     <p:sldId id="275" r:id="rId5"/>
     <p:sldId id="273" r:id="rId6"/>
     <p:sldId id="274" r:id="rId7"/>
-    <p:sldId id="276" r:id="rId8"/>
-    <p:sldId id="277" r:id="rId9"/>
-    <p:sldId id="272" r:id="rId10"/>
+    <p:sldId id="278" r:id="rId8"/>
+    <p:sldId id="276" r:id="rId9"/>
+    <p:sldId id="277" r:id="rId10"/>
+    <p:sldId id="272" r:id="rId11"/>
   </p:sldIdLst>
   <p:sldSz cx="17335500" cy="9753600"/>
   <p:notesSz cx="10234613" cy="7104063"/>
@@ -126,7 +127,7 @@
           <a:p>
             <a:fld id="{3293A0BA-AECB-4C47-AF6D-D2E6D264A104}" type="datetimeFigureOut">
               <a:rPr lang="ru-RU" smtClean="0"/>
-              <a:t>08.01.2024</a:t>
+              <a:t>14.01.2024</a:t>
             </a:fld>
             <a:endParaRPr lang="ru-RU"/>
           </a:p>
@@ -480,6 +481,174 @@
 </p:notes>
 </file>
 
+<file path=ppt/notesSlides/notesSlide2.xml><?xml version="1.0" encoding="utf-8"?>
+<p:notes xmlns:a="http://schemas.openxmlformats.org/drawingml/2006/main" xmlns:r="http://schemas.openxmlformats.org/officeDocument/2006/relationships" xmlns:p="http://schemas.openxmlformats.org/presentationml/2006/main">
+  <p:cSld>
+    <p:spTree>
+      <p:nvGrpSpPr>
+        <p:cNvPr id="1" name=""/>
+        <p:cNvGrpSpPr/>
+        <p:nvPr/>
+      </p:nvGrpSpPr>
+      <p:grpSpPr>
+        <a:xfrm>
+          <a:off x="0" y="0"/>
+          <a:ext cx="0" cy="0"/>
+          <a:chOff x="0" y="0"/>
+          <a:chExt cx="0" cy="0"/>
+        </a:xfrm>
+      </p:grpSpPr>
+      <p:sp>
+        <p:nvSpPr>
+          <p:cNvPr id="2" name="Образ слайда 1"/>
+          <p:cNvSpPr>
+            <a:spLocks noGrp="1" noRot="1" noChangeAspect="1"/>
+          </p:cNvSpPr>
+          <p:nvPr>
+            <p:ph type="sldImg"/>
+          </p:nvPr>
+        </p:nvSpPr>
+        <p:spPr/>
+      </p:sp>
+      <p:sp>
+        <p:nvSpPr>
+          <p:cNvPr id="3" name="Заметки 2"/>
+          <p:cNvSpPr>
+            <a:spLocks noGrp="1"/>
+          </p:cNvSpPr>
+          <p:nvPr>
+            <p:ph type="body" idx="1"/>
+          </p:nvPr>
+        </p:nvSpPr>
+        <p:spPr/>
+        <p:txBody>
+          <a:bodyPr/>
+          <a:lstStyle/>
+          <a:p>
+            <a:endParaRPr lang="ru-RU" dirty="0"/>
+          </a:p>
+        </p:txBody>
+      </p:sp>
+      <p:sp>
+        <p:nvSpPr>
+          <p:cNvPr id="4" name="Номер слайда 3"/>
+          <p:cNvSpPr>
+            <a:spLocks noGrp="1"/>
+          </p:cNvSpPr>
+          <p:nvPr>
+            <p:ph type="sldNum" sz="quarter" idx="5"/>
+          </p:nvPr>
+        </p:nvSpPr>
+        <p:spPr/>
+        <p:txBody>
+          <a:bodyPr/>
+          <a:lstStyle/>
+          <a:p>
+            <a:fld id="{8315E286-1753-4A9C-BD51-66EFFE86CD78}" type="slidenum">
+              <a:rPr lang="ru-RU" smtClean="0"/>
+              <a:t>7</a:t>
+            </a:fld>
+            <a:endParaRPr lang="ru-RU"/>
+          </a:p>
+        </p:txBody>
+      </p:sp>
+    </p:spTree>
+    <p:extLst>
+      <p:ext uri="{BB962C8B-B14F-4D97-AF65-F5344CB8AC3E}">
+        <p14:creationId xmlns:p14="http://schemas.microsoft.com/office/powerpoint/2010/main" val="3572515455"/>
+      </p:ext>
+    </p:extLst>
+  </p:cSld>
+  <p:clrMapOvr>
+    <a:masterClrMapping/>
+  </p:clrMapOvr>
+</p:notes>
+</file>
+
+<file path=ppt/notesSlides/notesSlide3.xml><?xml version="1.0" encoding="utf-8"?>
+<p:notes xmlns:a="http://schemas.openxmlformats.org/drawingml/2006/main" xmlns:r="http://schemas.openxmlformats.org/officeDocument/2006/relationships" xmlns:p="http://schemas.openxmlformats.org/presentationml/2006/main">
+  <p:cSld>
+    <p:spTree>
+      <p:nvGrpSpPr>
+        <p:cNvPr id="1" name=""/>
+        <p:cNvGrpSpPr/>
+        <p:nvPr/>
+      </p:nvGrpSpPr>
+      <p:grpSpPr>
+        <a:xfrm>
+          <a:off x="0" y="0"/>
+          <a:ext cx="0" cy="0"/>
+          <a:chOff x="0" y="0"/>
+          <a:chExt cx="0" cy="0"/>
+        </a:xfrm>
+      </p:grpSpPr>
+      <p:sp>
+        <p:nvSpPr>
+          <p:cNvPr id="2" name="Образ слайда 1"/>
+          <p:cNvSpPr>
+            <a:spLocks noGrp="1" noRot="1" noChangeAspect="1"/>
+          </p:cNvSpPr>
+          <p:nvPr>
+            <p:ph type="sldImg"/>
+          </p:nvPr>
+        </p:nvSpPr>
+        <p:spPr/>
+      </p:sp>
+      <p:sp>
+        <p:nvSpPr>
+          <p:cNvPr id="3" name="Заметки 2"/>
+          <p:cNvSpPr>
+            <a:spLocks noGrp="1"/>
+          </p:cNvSpPr>
+          <p:nvPr>
+            <p:ph type="body" idx="1"/>
+          </p:nvPr>
+        </p:nvSpPr>
+        <p:spPr/>
+        <p:txBody>
+          <a:bodyPr/>
+          <a:lstStyle/>
+          <a:p>
+            <a:endParaRPr lang="ru-RU" dirty="0"/>
+          </a:p>
+        </p:txBody>
+      </p:sp>
+      <p:sp>
+        <p:nvSpPr>
+          <p:cNvPr id="4" name="Номер слайда 3"/>
+          <p:cNvSpPr>
+            <a:spLocks noGrp="1"/>
+          </p:cNvSpPr>
+          <p:nvPr>
+            <p:ph type="sldNum" sz="quarter" idx="5"/>
+          </p:nvPr>
+        </p:nvSpPr>
+        <p:spPr/>
+        <p:txBody>
+          <a:bodyPr/>
+          <a:lstStyle/>
+          <a:p>
+            <a:fld id="{8315E286-1753-4A9C-BD51-66EFFE86CD78}" type="slidenum">
+              <a:rPr lang="ru-RU" smtClean="0"/>
+              <a:t>8</a:t>
+            </a:fld>
+            <a:endParaRPr lang="ru-RU"/>
+          </a:p>
+        </p:txBody>
+      </p:sp>
+    </p:spTree>
+    <p:extLst>
+      <p:ext uri="{BB962C8B-B14F-4D97-AF65-F5344CB8AC3E}">
+        <p14:creationId xmlns:p14="http://schemas.microsoft.com/office/powerpoint/2010/main" val="1893035345"/>
+      </p:ext>
+    </p:extLst>
+  </p:cSld>
+  <p:clrMapOvr>
+    <a:masterClrMapping/>
+  </p:clrMapOvr>
+</p:notes>
+</file>
+
 <file path=ppt/slideLayouts/slideLayout1.xml><?xml version="1.0" encoding="utf-8"?>
 <p:sldLayout xmlns:a="http://schemas.openxmlformats.org/drawingml/2006/main" xmlns:r="http://schemas.openxmlformats.org/officeDocument/2006/relationships" xmlns:p="http://schemas.openxmlformats.org/presentationml/2006/main" type="obj" preserve="1">
   <p:cSld name="Title Slide">
@@ -631,7 +800,7 @@
           <a:p>
             <a:fld id="{1D8BD707-D9CF-40AE-B4C6-C98DA3205C09}" type="datetimeFigureOut">
               <a:rPr lang="en-US"/>
-              <a:t>1/8/2024</a:t>
+              <a:t>1/14/2024</a:t>
             </a:fld>
             <a:endParaRPr lang="en-US"/>
           </a:p>
@@ -817,7 +986,7 @@
           <a:p>
             <a:fld id="{1D8BD707-D9CF-40AE-B4C6-C98DA3205C09}" type="datetimeFigureOut">
               <a:rPr lang="en-US"/>
-              <a:t>1/8/2024</a:t>
+              <a:t>1/14/2024</a:t>
             </a:fld>
             <a:endParaRPr lang="en-US"/>
           </a:p>
@@ -1040,7 +1209,7 @@
           <a:p>
             <a:fld id="{1D8BD707-D9CF-40AE-B4C6-C98DA3205C09}" type="datetimeFigureOut">
               <a:rPr lang="en-US"/>
-              <a:t>1/8/2024</a:t>
+              <a:t>1/14/2024</a:t>
             </a:fld>
             <a:endParaRPr lang="en-US"/>
           </a:p>
@@ -1914,7 +2083,7 @@
           <a:p>
             <a:fld id="{1D8BD707-D9CF-40AE-B4C6-C98DA3205C09}" type="datetimeFigureOut">
               <a:rPr lang="en-US"/>
-              <a:t>1/8/2024</a:t>
+              <a:t>1/14/2024</a:t>
             </a:fld>
             <a:endParaRPr lang="en-US"/>
           </a:p>
@@ -2042,7 +2211,7 @@
           <a:p>
             <a:fld id="{1D8BD707-D9CF-40AE-B4C6-C98DA3205C09}" type="datetimeFigureOut">
               <a:rPr lang="en-US"/>
-              <a:t>1/8/2024</a:t>
+              <a:t>1/14/2024</a:t>
             </a:fld>
             <a:endParaRPr lang="en-US"/>
           </a:p>
@@ -2276,7 +2445,7 @@
           <a:p>
             <a:fld id="{1D8BD707-D9CF-40AE-B4C6-C98DA3205C09}" type="datetimeFigureOut">
               <a:rPr lang="en-US"/>
-              <a:t>1/8/2024</a:t>
+              <a:t>1/14/2024</a:t>
             </a:fld>
             <a:endParaRPr lang="en-US"/>
           </a:p>
@@ -2709,6 +2878,966 @@
 </p:sld>
 </file>
 
+<file path=ppt/slides/slide10.xml><?xml version="1.0" encoding="utf-8"?>
+<p:sld xmlns:a="http://schemas.openxmlformats.org/drawingml/2006/main" xmlns:r="http://schemas.openxmlformats.org/officeDocument/2006/relationships" xmlns:p="http://schemas.openxmlformats.org/presentationml/2006/main">
+  <p:cSld>
+    <p:spTree>
+      <p:nvGrpSpPr>
+        <p:cNvPr id="1" name=""/>
+        <p:cNvGrpSpPr/>
+        <p:nvPr/>
+      </p:nvGrpSpPr>
+      <p:grpSpPr>
+        <a:xfrm>
+          <a:off x="0" y="0"/>
+          <a:ext cx="0" cy="0"/>
+          <a:chOff x="0" y="0"/>
+          <a:chExt cx="0" cy="0"/>
+        </a:xfrm>
+      </p:grpSpPr>
+      <p:sp>
+        <p:nvSpPr>
+          <p:cNvPr id="2" name="object 2"/>
+          <p:cNvSpPr/>
+          <p:nvPr/>
+        </p:nvSpPr>
+        <p:spPr>
+          <a:xfrm>
+            <a:off x="0" y="0"/>
+            <a:ext cx="17337405" cy="9752330"/>
+          </a:xfrm>
+          <a:custGeom>
+            <a:avLst/>
+            <a:gdLst/>
+            <a:ahLst/>
+            <a:cxnLst/>
+            <a:rect l="l" t="t" r="r" b="b"/>
+            <a:pathLst>
+              <a:path w="17337405" h="9752330">
+                <a:moveTo>
+                  <a:pt x="17337024" y="0"/>
+                </a:moveTo>
+                <a:lnTo>
+                  <a:pt x="0" y="0"/>
+                </a:lnTo>
+                <a:lnTo>
+                  <a:pt x="0" y="9752076"/>
+                </a:lnTo>
+                <a:lnTo>
+                  <a:pt x="17337024" y="9752076"/>
+                </a:lnTo>
+                <a:lnTo>
+                  <a:pt x="17337024" y="0"/>
+                </a:lnTo>
+                <a:close/>
+              </a:path>
+            </a:pathLst>
+          </a:custGeom>
+          <a:solidFill>
+            <a:srgbClr val="F0F0F0"/>
+          </a:solidFill>
+        </p:spPr>
+        <p:txBody>
+          <a:bodyPr wrap="square" lIns="0" tIns="0" rIns="0" bIns="0" rtlCol="0"/>
+          <a:lstStyle/>
+          <a:p>
+            <a:endParaRPr/>
+          </a:p>
+        </p:txBody>
+      </p:sp>
+      <p:grpSp>
+        <p:nvGrpSpPr>
+          <p:cNvPr id="3" name="object 3"/>
+          <p:cNvGrpSpPr/>
+          <p:nvPr/>
+        </p:nvGrpSpPr>
+        <p:grpSpPr>
+          <a:xfrm>
+            <a:off x="0" y="1292098"/>
+            <a:ext cx="17049750" cy="8460485"/>
+            <a:chOff x="0" y="1685543"/>
+            <a:chExt cx="10262997" cy="8067040"/>
+          </a:xfrm>
+        </p:grpSpPr>
+        <p:sp>
+          <p:nvSpPr>
+            <p:cNvPr id="5" name="object 5"/>
+            <p:cNvSpPr/>
+            <p:nvPr/>
+          </p:nvSpPr>
+          <p:spPr>
+            <a:xfrm>
+              <a:off x="8668512" y="4376927"/>
+              <a:ext cx="1594485" cy="5375275"/>
+            </a:xfrm>
+            <a:custGeom>
+              <a:avLst/>
+              <a:gdLst/>
+              <a:ahLst/>
+              <a:cxnLst/>
+              <a:rect l="l" t="t" r="r" b="b"/>
+              <a:pathLst>
+                <a:path w="1594484" h="5375275">
+                  <a:moveTo>
+                    <a:pt x="0" y="0"/>
+                  </a:moveTo>
+                  <a:lnTo>
+                    <a:pt x="0" y="5375148"/>
+                  </a:lnTo>
+                  <a:lnTo>
+                    <a:pt x="1543698" y="5375148"/>
+                  </a:lnTo>
+                  <a:lnTo>
+                    <a:pt x="1553217" y="5290870"/>
+                  </a:lnTo>
+                  <a:lnTo>
+                    <a:pt x="1558446" y="5240078"/>
+                  </a:lnTo>
+                  <a:lnTo>
+                    <a:pt x="1563323" y="5189181"/>
+                  </a:lnTo>
+                  <a:lnTo>
+                    <a:pt x="1567847" y="5138182"/>
+                  </a:lnTo>
+                  <a:lnTo>
+                    <a:pt x="1572016" y="5087082"/>
+                  </a:lnTo>
+                  <a:lnTo>
+                    <a:pt x="1575828" y="5035882"/>
+                  </a:lnTo>
+                  <a:lnTo>
+                    <a:pt x="1579284" y="4984584"/>
+                  </a:lnTo>
+                  <a:lnTo>
+                    <a:pt x="1582381" y="4933188"/>
+                  </a:lnTo>
+                  <a:lnTo>
+                    <a:pt x="1585118" y="4881695"/>
+                  </a:lnTo>
+                  <a:lnTo>
+                    <a:pt x="1587495" y="4830108"/>
+                  </a:lnTo>
+                  <a:lnTo>
+                    <a:pt x="1589509" y="4778427"/>
+                  </a:lnTo>
+                  <a:lnTo>
+                    <a:pt x="1591160" y="4726654"/>
+                  </a:lnTo>
+                  <a:lnTo>
+                    <a:pt x="1592446" y="4674789"/>
+                  </a:lnTo>
+                  <a:lnTo>
+                    <a:pt x="1593366" y="4622834"/>
+                  </a:lnTo>
+                  <a:lnTo>
+                    <a:pt x="1593919" y="4570791"/>
+                  </a:lnTo>
+                  <a:lnTo>
+                    <a:pt x="1594103" y="4518660"/>
+                  </a:lnTo>
+                  <a:lnTo>
+                    <a:pt x="1593919" y="4466528"/>
+                  </a:lnTo>
+                  <a:lnTo>
+                    <a:pt x="1593366" y="4414485"/>
+                  </a:lnTo>
+                  <a:lnTo>
+                    <a:pt x="1592446" y="4362530"/>
+                  </a:lnTo>
+                  <a:lnTo>
+                    <a:pt x="1591160" y="4310665"/>
+                  </a:lnTo>
+                  <a:lnTo>
+                    <a:pt x="1589509" y="4258892"/>
+                  </a:lnTo>
+                  <a:lnTo>
+                    <a:pt x="1587495" y="4207211"/>
+                  </a:lnTo>
+                  <a:lnTo>
+                    <a:pt x="1585118" y="4155624"/>
+                  </a:lnTo>
+                  <a:lnTo>
+                    <a:pt x="1582381" y="4104131"/>
+                  </a:lnTo>
+                  <a:lnTo>
+                    <a:pt x="1579284" y="4052735"/>
+                  </a:lnTo>
+                  <a:lnTo>
+                    <a:pt x="1575828" y="4001437"/>
+                  </a:lnTo>
+                  <a:lnTo>
+                    <a:pt x="1572016" y="3950237"/>
+                  </a:lnTo>
+                  <a:lnTo>
+                    <a:pt x="1567847" y="3899137"/>
+                  </a:lnTo>
+                  <a:lnTo>
+                    <a:pt x="1563323" y="3848138"/>
+                  </a:lnTo>
+                  <a:lnTo>
+                    <a:pt x="1558446" y="3797241"/>
+                  </a:lnTo>
+                  <a:lnTo>
+                    <a:pt x="1553217" y="3746449"/>
+                  </a:lnTo>
+                  <a:lnTo>
+                    <a:pt x="1547636" y="3695761"/>
+                  </a:lnTo>
+                  <a:lnTo>
+                    <a:pt x="1541706" y="3645179"/>
+                  </a:lnTo>
+                  <a:lnTo>
+                    <a:pt x="1535427" y="3594704"/>
+                  </a:lnTo>
+                  <a:lnTo>
+                    <a:pt x="1528801" y="3544338"/>
+                  </a:lnTo>
+                  <a:lnTo>
+                    <a:pt x="1521828" y="3494082"/>
+                  </a:lnTo>
+                  <a:lnTo>
+                    <a:pt x="1514511" y="3443937"/>
+                  </a:lnTo>
+                  <a:lnTo>
+                    <a:pt x="1506850" y="3393905"/>
+                  </a:lnTo>
+                  <a:lnTo>
+                    <a:pt x="1498847" y="3343985"/>
+                  </a:lnTo>
+                  <a:lnTo>
+                    <a:pt x="1490503" y="3294181"/>
+                  </a:lnTo>
+                  <a:lnTo>
+                    <a:pt x="1481818" y="3244492"/>
+                  </a:lnTo>
+                  <a:lnTo>
+                    <a:pt x="1472795" y="3194921"/>
+                  </a:lnTo>
+                  <a:lnTo>
+                    <a:pt x="1463435" y="3145468"/>
+                  </a:lnTo>
+                  <a:lnTo>
+                    <a:pt x="1453738" y="3096135"/>
+                  </a:lnTo>
+                  <a:lnTo>
+                    <a:pt x="1443706" y="3046923"/>
+                  </a:lnTo>
+                  <a:lnTo>
+                    <a:pt x="1433341" y="2997834"/>
+                  </a:lnTo>
+                  <a:lnTo>
+                    <a:pt x="1422643" y="2948867"/>
+                  </a:lnTo>
+                  <a:lnTo>
+                    <a:pt x="1411614" y="2900025"/>
+                  </a:lnTo>
+                  <a:lnTo>
+                    <a:pt x="1400255" y="2851309"/>
+                  </a:lnTo>
+                  <a:lnTo>
+                    <a:pt x="1388567" y="2802721"/>
+                  </a:lnTo>
+                  <a:lnTo>
+                    <a:pt x="1376551" y="2754260"/>
+                  </a:lnTo>
+                  <a:lnTo>
+                    <a:pt x="1364210" y="2705929"/>
+                  </a:lnTo>
+                  <a:lnTo>
+                    <a:pt x="1351543" y="2657730"/>
+                  </a:lnTo>
+                  <a:lnTo>
+                    <a:pt x="1338552" y="2609662"/>
+                  </a:lnTo>
+                  <a:lnTo>
+                    <a:pt x="1325239" y="2561727"/>
+                  </a:lnTo>
+                  <a:lnTo>
+                    <a:pt x="1311604" y="2513927"/>
+                  </a:lnTo>
+                  <a:lnTo>
+                    <a:pt x="1297649" y="2466263"/>
+                  </a:lnTo>
+                  <a:lnTo>
+                    <a:pt x="1283375" y="2418736"/>
+                  </a:lnTo>
+                  <a:lnTo>
+                    <a:pt x="1268784" y="2371347"/>
+                  </a:lnTo>
+                  <a:lnTo>
+                    <a:pt x="1253876" y="2324098"/>
+                  </a:lnTo>
+                  <a:lnTo>
+                    <a:pt x="1238653" y="2276989"/>
+                  </a:lnTo>
+                  <a:lnTo>
+                    <a:pt x="1223117" y="2230022"/>
+                  </a:lnTo>
+                  <a:lnTo>
+                    <a:pt x="1207267" y="2183199"/>
+                  </a:lnTo>
+                  <a:lnTo>
+                    <a:pt x="1191106" y="2136520"/>
+                  </a:lnTo>
+                  <a:lnTo>
+                    <a:pt x="1174635" y="2089987"/>
+                  </a:lnTo>
+                  <a:lnTo>
+                    <a:pt x="1157855" y="2043600"/>
+                  </a:lnTo>
+                  <a:lnTo>
+                    <a:pt x="1140767" y="1997362"/>
+                  </a:lnTo>
+                  <a:lnTo>
+                    <a:pt x="1123372" y="1951274"/>
+                  </a:lnTo>
+                  <a:lnTo>
+                    <a:pt x="1105672" y="1905335"/>
+                  </a:lnTo>
+                  <a:lnTo>
+                    <a:pt x="1087669" y="1859549"/>
+                  </a:lnTo>
+                  <a:lnTo>
+                    <a:pt x="1069362" y="1813916"/>
+                  </a:lnTo>
+                  <a:lnTo>
+                    <a:pt x="1050754" y="1768437"/>
+                  </a:lnTo>
+                  <a:lnTo>
+                    <a:pt x="1031845" y="1723114"/>
+                  </a:lnTo>
+                  <a:lnTo>
+                    <a:pt x="1012638" y="1677948"/>
+                  </a:lnTo>
+                  <a:lnTo>
+                    <a:pt x="993133" y="1632939"/>
+                  </a:lnTo>
+                  <a:lnTo>
+                    <a:pt x="973331" y="1588090"/>
+                  </a:lnTo>
+                  <a:lnTo>
+                    <a:pt x="953233" y="1543402"/>
+                  </a:lnTo>
+                  <a:lnTo>
+                    <a:pt x="932842" y="1498875"/>
+                  </a:lnTo>
+                  <a:lnTo>
+                    <a:pt x="912157" y="1454511"/>
+                  </a:lnTo>
+                  <a:lnTo>
+                    <a:pt x="891181" y="1410312"/>
+                  </a:lnTo>
+                  <a:lnTo>
+                    <a:pt x="869915" y="1366278"/>
+                  </a:lnTo>
+                  <a:lnTo>
+                    <a:pt x="848359" y="1322411"/>
+                  </a:lnTo>
+                  <a:lnTo>
+                    <a:pt x="826516" y="1278712"/>
+                  </a:lnTo>
+                  <a:lnTo>
+                    <a:pt x="804385" y="1235181"/>
+                  </a:lnTo>
+                  <a:lnTo>
+                    <a:pt x="781970" y="1191822"/>
+                  </a:lnTo>
+                  <a:lnTo>
+                    <a:pt x="759270" y="1148634"/>
+                  </a:lnTo>
+                  <a:lnTo>
+                    <a:pt x="736287" y="1105619"/>
+                  </a:lnTo>
+                  <a:lnTo>
+                    <a:pt x="713022" y="1062778"/>
+                  </a:lnTo>
+                  <a:lnTo>
+                    <a:pt x="689477" y="1020112"/>
+                  </a:lnTo>
+                  <a:lnTo>
+                    <a:pt x="665652" y="977623"/>
+                  </a:lnTo>
+                  <a:lnTo>
+                    <a:pt x="641550" y="935312"/>
+                  </a:lnTo>
+                  <a:lnTo>
+                    <a:pt x="617170" y="893180"/>
+                  </a:lnTo>
+                  <a:lnTo>
+                    <a:pt x="592515" y="851229"/>
+                  </a:lnTo>
+                  <a:lnTo>
+                    <a:pt x="567586" y="809459"/>
+                  </a:lnTo>
+                  <a:lnTo>
+                    <a:pt x="542384" y="767871"/>
+                  </a:lnTo>
+                  <a:lnTo>
+                    <a:pt x="516909" y="726468"/>
+                  </a:lnTo>
+                  <a:lnTo>
+                    <a:pt x="491165" y="685250"/>
+                  </a:lnTo>
+                  <a:lnTo>
+                    <a:pt x="465150" y="644219"/>
+                  </a:lnTo>
+                  <a:lnTo>
+                    <a:pt x="438868" y="603375"/>
+                  </a:lnTo>
+                  <a:lnTo>
+                    <a:pt x="412319" y="562720"/>
+                  </a:lnTo>
+                  <a:lnTo>
+                    <a:pt x="385504" y="522256"/>
+                  </a:lnTo>
+                  <a:lnTo>
+                    <a:pt x="358425" y="481983"/>
+                  </a:lnTo>
+                  <a:lnTo>
+                    <a:pt x="331082" y="441902"/>
+                  </a:lnTo>
+                  <a:lnTo>
+                    <a:pt x="303477" y="402016"/>
+                  </a:lnTo>
+                  <a:lnTo>
+                    <a:pt x="275612" y="362325"/>
+                  </a:lnTo>
+                  <a:lnTo>
+                    <a:pt x="247488" y="322830"/>
+                  </a:lnTo>
+                  <a:lnTo>
+                    <a:pt x="219105" y="283533"/>
+                  </a:lnTo>
+                  <a:lnTo>
+                    <a:pt x="190465" y="244434"/>
+                  </a:lnTo>
+                  <a:lnTo>
+                    <a:pt x="161569" y="205536"/>
+                  </a:lnTo>
+                  <a:lnTo>
+                    <a:pt x="0" y="0"/>
+                  </a:lnTo>
+                  <a:close/>
+                </a:path>
+              </a:pathLst>
+            </a:custGeom>
+            <a:solidFill>
+              <a:srgbClr val="FFCC00"/>
+            </a:solidFill>
+          </p:spPr>
+          <p:txBody>
+            <a:bodyPr wrap="square" lIns="0" tIns="0" rIns="0" bIns="0" rtlCol="0"/>
+            <a:lstStyle/>
+            <a:p>
+              <a:endParaRPr/>
+            </a:p>
+          </p:txBody>
+        </p:sp>
+        <p:sp>
+          <p:nvSpPr>
+            <p:cNvPr id="6" name="object 6"/>
+            <p:cNvSpPr/>
+            <p:nvPr/>
+          </p:nvSpPr>
+          <p:spPr>
+            <a:xfrm>
+              <a:off x="0" y="1685543"/>
+              <a:ext cx="8669020" cy="8067040"/>
+            </a:xfrm>
+            <a:custGeom>
+              <a:avLst/>
+              <a:gdLst/>
+              <a:ahLst/>
+              <a:cxnLst/>
+              <a:rect l="l" t="t" r="r" b="b"/>
+              <a:pathLst>
+                <a:path w="8669020" h="8067040">
+                  <a:moveTo>
+                    <a:pt x="3053139" y="0"/>
+                  </a:moveTo>
+                  <a:lnTo>
+                    <a:pt x="2993474" y="241"/>
+                  </a:lnTo>
+                  <a:lnTo>
+                    <a:pt x="2874490" y="2170"/>
+                  </a:lnTo>
+                  <a:lnTo>
+                    <a:pt x="2755981" y="6013"/>
+                  </a:lnTo>
+                  <a:lnTo>
+                    <a:pt x="2637961" y="11755"/>
+                  </a:lnTo>
+                  <a:lnTo>
+                    <a:pt x="2520445" y="19382"/>
+                  </a:lnTo>
+                  <a:lnTo>
+                    <a:pt x="2403449" y="28879"/>
+                  </a:lnTo>
+                  <a:lnTo>
+                    <a:pt x="2286986" y="40231"/>
+                  </a:lnTo>
+                  <a:lnTo>
+                    <a:pt x="2171072" y="53423"/>
+                  </a:lnTo>
+                  <a:lnTo>
+                    <a:pt x="2055722" y="68441"/>
+                  </a:lnTo>
+                  <a:lnTo>
+                    <a:pt x="1940950" y="85269"/>
+                  </a:lnTo>
+                  <a:lnTo>
+                    <a:pt x="1826772" y="103892"/>
+                  </a:lnTo>
+                  <a:lnTo>
+                    <a:pt x="1713202" y="124296"/>
+                  </a:lnTo>
+                  <a:lnTo>
+                    <a:pt x="1600255" y="146466"/>
+                  </a:lnTo>
+                  <a:lnTo>
+                    <a:pt x="1487945" y="170388"/>
+                  </a:lnTo>
+                  <a:lnTo>
+                    <a:pt x="1376289" y="196045"/>
+                  </a:lnTo>
+                  <a:lnTo>
+                    <a:pt x="1265299" y="223424"/>
+                  </a:lnTo>
+                  <a:lnTo>
+                    <a:pt x="1154993" y="252510"/>
+                  </a:lnTo>
+                  <a:lnTo>
+                    <a:pt x="1045383" y="283287"/>
+                  </a:lnTo>
+                  <a:lnTo>
+                    <a:pt x="936486" y="315741"/>
+                  </a:lnTo>
+                  <a:lnTo>
+                    <a:pt x="828315" y="349857"/>
+                  </a:lnTo>
+                  <a:lnTo>
+                    <a:pt x="720886" y="385620"/>
+                  </a:lnTo>
+                  <a:lnTo>
+                    <a:pt x="614214" y="423016"/>
+                  </a:lnTo>
+                  <a:lnTo>
+                    <a:pt x="508313" y="462029"/>
+                  </a:lnTo>
+                  <a:lnTo>
+                    <a:pt x="403199" y="502644"/>
+                  </a:lnTo>
+                  <a:lnTo>
+                    <a:pt x="298885" y="544848"/>
+                  </a:lnTo>
+                  <a:lnTo>
+                    <a:pt x="195388" y="588625"/>
+                  </a:lnTo>
+                  <a:lnTo>
+                    <a:pt x="92721" y="633959"/>
+                  </a:lnTo>
+                  <a:lnTo>
+                    <a:pt x="0" y="676605"/>
+                  </a:lnTo>
+                  <a:lnTo>
+                    <a:pt x="0" y="8066532"/>
+                  </a:lnTo>
+                  <a:lnTo>
+                    <a:pt x="8668508" y="8066532"/>
+                  </a:lnTo>
+                  <a:lnTo>
+                    <a:pt x="8668508" y="2690304"/>
+                  </a:lnTo>
+                  <a:lnTo>
+                    <a:pt x="8616019" y="2623515"/>
+                  </a:lnTo>
+                  <a:lnTo>
+                    <a:pt x="8585146" y="2586358"/>
+                  </a:lnTo>
+                  <a:lnTo>
+                    <a:pt x="8554031" y="2549412"/>
+                  </a:lnTo>
+                  <a:lnTo>
+                    <a:pt x="8522673" y="2512678"/>
+                  </a:lnTo>
+                  <a:lnTo>
+                    <a:pt x="8491074" y="2476158"/>
+                  </a:lnTo>
+                  <a:lnTo>
+                    <a:pt x="8459235" y="2439851"/>
+                  </a:lnTo>
+                  <a:lnTo>
+                    <a:pt x="8427158" y="2403760"/>
+                  </a:lnTo>
+                  <a:lnTo>
+                    <a:pt x="8394843" y="2367887"/>
+                  </a:lnTo>
+                  <a:lnTo>
+                    <a:pt x="8362292" y="2332231"/>
+                  </a:lnTo>
+                  <a:lnTo>
+                    <a:pt x="8329506" y="2296794"/>
+                  </a:lnTo>
+                  <a:lnTo>
+                    <a:pt x="8296487" y="2261578"/>
+                  </a:lnTo>
+                  <a:lnTo>
+                    <a:pt x="8263235" y="2226584"/>
+                  </a:lnTo>
+                  <a:lnTo>
+                    <a:pt x="8229752" y="2191813"/>
+                  </a:lnTo>
+                  <a:lnTo>
+                    <a:pt x="8196039" y="2157266"/>
+                  </a:lnTo>
+                  <a:lnTo>
+                    <a:pt x="8162097" y="2122945"/>
+                  </a:lnTo>
+                  <a:lnTo>
+                    <a:pt x="8127928" y="2088850"/>
+                  </a:lnTo>
+                  <a:lnTo>
+                    <a:pt x="8093532" y="2054983"/>
+                  </a:lnTo>
+                  <a:lnTo>
+                    <a:pt x="8058911" y="2021346"/>
+                  </a:lnTo>
+                  <a:lnTo>
+                    <a:pt x="8024067" y="1987938"/>
+                  </a:lnTo>
+                  <a:lnTo>
+                    <a:pt x="7989000" y="1954763"/>
+                  </a:lnTo>
+                  <a:lnTo>
+                    <a:pt x="7953711" y="1921820"/>
+                  </a:lnTo>
+                  <a:lnTo>
+                    <a:pt x="7918203" y="1889111"/>
+                  </a:lnTo>
+                  <a:lnTo>
+                    <a:pt x="7882475" y="1856638"/>
+                  </a:lnTo>
+                  <a:lnTo>
+                    <a:pt x="7846530" y="1824401"/>
+                  </a:lnTo>
+                  <a:lnTo>
+                    <a:pt x="7810368" y="1792402"/>
+                  </a:lnTo>
+                  <a:lnTo>
+                    <a:pt x="7773991" y="1760642"/>
+                  </a:lnTo>
+                  <a:lnTo>
+                    <a:pt x="7737401" y="1729122"/>
+                  </a:lnTo>
+                  <a:lnTo>
+                    <a:pt x="7700597" y="1697844"/>
+                  </a:lnTo>
+                  <a:lnTo>
+                    <a:pt x="7663582" y="1666809"/>
+                  </a:lnTo>
+                  <a:lnTo>
+                    <a:pt x="7626357" y="1636017"/>
+                  </a:lnTo>
+                  <a:lnTo>
+                    <a:pt x="7588922" y="1605470"/>
+                  </a:lnTo>
+                  <a:lnTo>
+                    <a:pt x="7551280" y="1575170"/>
+                  </a:lnTo>
+                  <a:lnTo>
+                    <a:pt x="7513431" y="1545118"/>
+                  </a:lnTo>
+                  <a:lnTo>
+                    <a:pt x="7475377" y="1515314"/>
+                  </a:lnTo>
+                  <a:lnTo>
+                    <a:pt x="7437118" y="1485761"/>
+                  </a:lnTo>
+                  <a:lnTo>
+                    <a:pt x="7398657" y="1456458"/>
+                  </a:lnTo>
+                  <a:lnTo>
+                    <a:pt x="7359994" y="1427409"/>
+                  </a:lnTo>
+                  <a:lnTo>
+                    <a:pt x="7321131" y="1398613"/>
+                  </a:lnTo>
+                  <a:lnTo>
+                    <a:pt x="7282068" y="1370072"/>
+                  </a:lnTo>
+                  <a:lnTo>
+                    <a:pt x="7242807" y="1341787"/>
+                  </a:lnTo>
+                  <a:lnTo>
+                    <a:pt x="7203350" y="1313760"/>
+                  </a:lnTo>
+                  <a:lnTo>
+                    <a:pt x="7123850" y="1258483"/>
+                  </a:lnTo>
+                  <a:lnTo>
+                    <a:pt x="7043578" y="1204250"/>
+                  </a:lnTo>
+                  <a:lnTo>
+                    <a:pt x="6962543" y="1151072"/>
+                  </a:lnTo>
+                  <a:lnTo>
+                    <a:pt x="6880756" y="1098959"/>
+                  </a:lnTo>
+                  <a:lnTo>
+                    <a:pt x="6798226" y="1047919"/>
+                  </a:lnTo>
+                  <a:lnTo>
+                    <a:pt x="6714963" y="997964"/>
+                  </a:lnTo>
+                  <a:lnTo>
+                    <a:pt x="6630977" y="949102"/>
+                  </a:lnTo>
+                  <a:lnTo>
+                    <a:pt x="6546278" y="901344"/>
+                  </a:lnTo>
+                  <a:lnTo>
+                    <a:pt x="6460875" y="854700"/>
+                  </a:lnTo>
+                  <a:lnTo>
+                    <a:pt x="6374779" y="809179"/>
+                  </a:lnTo>
+                  <a:lnTo>
+                    <a:pt x="6288000" y="764791"/>
+                  </a:lnTo>
+                  <a:lnTo>
+                    <a:pt x="6200546" y="721547"/>
+                  </a:lnTo>
+                  <a:lnTo>
+                    <a:pt x="6112429" y="679455"/>
+                  </a:lnTo>
+                  <a:lnTo>
+                    <a:pt x="6023658" y="638526"/>
+                  </a:lnTo>
+                  <a:lnTo>
+                    <a:pt x="5934242" y="598770"/>
+                  </a:lnTo>
+                  <a:lnTo>
+                    <a:pt x="5844192" y="560196"/>
+                  </a:lnTo>
+                  <a:lnTo>
+                    <a:pt x="5753517" y="522815"/>
+                  </a:lnTo>
+                  <a:lnTo>
+                    <a:pt x="5662228" y="486635"/>
+                  </a:lnTo>
+                  <a:lnTo>
+                    <a:pt x="5570333" y="451668"/>
+                  </a:lnTo>
+                  <a:lnTo>
+                    <a:pt x="5477844" y="417923"/>
+                  </a:lnTo>
+                  <a:lnTo>
+                    <a:pt x="5384769" y="385409"/>
+                  </a:lnTo>
+                  <a:lnTo>
+                    <a:pt x="5291119" y="354137"/>
+                  </a:lnTo>
+                  <a:lnTo>
+                    <a:pt x="5196904" y="324116"/>
+                  </a:lnTo>
+                  <a:lnTo>
+                    <a:pt x="5102133" y="295356"/>
+                  </a:lnTo>
+                  <a:lnTo>
+                    <a:pt x="5006816" y="267868"/>
+                  </a:lnTo>
+                  <a:lnTo>
+                    <a:pt x="4910963" y="241660"/>
+                  </a:lnTo>
+                  <a:lnTo>
+                    <a:pt x="4814584" y="216743"/>
+                  </a:lnTo>
+                  <a:lnTo>
+                    <a:pt x="4717688" y="193127"/>
+                  </a:lnTo>
+                  <a:lnTo>
+                    <a:pt x="4620286" y="170821"/>
+                  </a:lnTo>
+                  <a:lnTo>
+                    <a:pt x="4522388" y="149836"/>
+                  </a:lnTo>
+                  <a:lnTo>
+                    <a:pt x="4424003" y="130180"/>
+                  </a:lnTo>
+                  <a:lnTo>
+                    <a:pt x="4325141" y="111865"/>
+                  </a:lnTo>
+                  <a:lnTo>
+                    <a:pt x="4225812" y="94899"/>
+                  </a:lnTo>
+                  <a:lnTo>
+                    <a:pt x="4126025" y="79294"/>
+                  </a:lnTo>
+                  <a:lnTo>
+                    <a:pt x="4025791" y="65057"/>
+                  </a:lnTo>
+                  <a:lnTo>
+                    <a:pt x="3925120" y="52200"/>
+                  </a:lnTo>
+                  <a:lnTo>
+                    <a:pt x="3824021" y="40733"/>
+                  </a:lnTo>
+                  <a:lnTo>
+                    <a:pt x="3722504" y="30664"/>
+                  </a:lnTo>
+                  <a:lnTo>
+                    <a:pt x="3620579" y="22004"/>
+                  </a:lnTo>
+                  <a:lnTo>
+                    <a:pt x="3518256" y="14763"/>
+                  </a:lnTo>
+                  <a:lnTo>
+                    <a:pt x="3415545" y="8951"/>
+                  </a:lnTo>
+                  <a:lnTo>
+                    <a:pt x="3312455" y="4577"/>
+                  </a:lnTo>
+                  <a:lnTo>
+                    <a:pt x="3208997" y="1651"/>
+                  </a:lnTo>
+                  <a:lnTo>
+                    <a:pt x="3105179" y="183"/>
+                  </a:lnTo>
+                  <a:lnTo>
+                    <a:pt x="3053139" y="0"/>
+                  </a:lnTo>
+                  <a:close/>
+                </a:path>
+              </a:pathLst>
+            </a:custGeom>
+            <a:solidFill>
+              <a:srgbClr val="FFFFFF"/>
+            </a:solidFill>
+          </p:spPr>
+          <p:txBody>
+            <a:bodyPr wrap="square" lIns="0" tIns="0" rIns="0" bIns="0" rtlCol="0"/>
+            <a:lstStyle/>
+            <a:p>
+              <a:endParaRPr dirty="0"/>
+            </a:p>
+          </p:txBody>
+        </p:sp>
+      </p:grpSp>
+      <p:sp>
+        <p:nvSpPr>
+          <p:cNvPr id="7" name="object 7"/>
+          <p:cNvSpPr txBox="1">
+            <a:spLocks noGrp="1"/>
+          </p:cNvSpPr>
+          <p:nvPr>
+            <p:ph type="title"/>
+          </p:nvPr>
+        </p:nvSpPr>
+        <p:spPr>
+          <a:xfrm>
+            <a:off x="5695950" y="3949065"/>
+            <a:ext cx="4753610" cy="1854200"/>
+          </a:xfrm>
+          <a:prstGeom prst="rect">
+            <a:avLst/>
+          </a:prstGeom>
+        </p:spPr>
+        <p:txBody>
+          <a:bodyPr vert="horz" wrap="square" lIns="0" tIns="12700" rIns="0" bIns="0" rtlCol="0">
+            <a:spAutoFit/>
+          </a:bodyPr>
+          <a:lstStyle/>
+          <a:p>
+            <a:pPr marL="12700">
+              <a:lnSpc>
+                <a:spcPct val="100000"/>
+              </a:lnSpc>
+              <a:spcBef>
+                <a:spcPts val="100"/>
+              </a:spcBef>
+            </a:pPr>
+            <a:r>
+              <a:rPr sz="6000" spc="180" dirty="0">
+                <a:latin typeface="Tahoma"/>
+                <a:cs typeface="Tahoma"/>
+              </a:rPr>
+              <a:t>Спасибо</a:t>
+            </a:r>
+            <a:endParaRPr sz="6000" dirty="0">
+              <a:latin typeface="Tahoma"/>
+              <a:cs typeface="Tahoma"/>
+            </a:endParaRPr>
+          </a:p>
+          <a:p>
+            <a:pPr marL="12700">
+              <a:lnSpc>
+                <a:spcPct val="100000"/>
+              </a:lnSpc>
+            </a:pPr>
+            <a:r>
+              <a:rPr sz="6000" dirty="0">
+                <a:latin typeface="Tahoma"/>
+                <a:cs typeface="Tahoma"/>
+              </a:rPr>
+              <a:t>за</a:t>
+            </a:r>
+            <a:r>
+              <a:rPr sz="6000" spc="-625" dirty="0">
+                <a:latin typeface="Tahoma"/>
+                <a:cs typeface="Tahoma"/>
+              </a:rPr>
+              <a:t> </a:t>
+            </a:r>
+            <a:r>
+              <a:rPr sz="6000" spc="110" dirty="0">
+                <a:latin typeface="Tahoma"/>
+                <a:cs typeface="Tahoma"/>
+              </a:rPr>
+              <a:t>внимание!</a:t>
+            </a:r>
+            <a:endParaRPr sz="6000" dirty="0">
+              <a:latin typeface="Tahoma"/>
+              <a:cs typeface="Tahoma"/>
+            </a:endParaRPr>
+          </a:p>
+        </p:txBody>
+      </p:sp>
+      <p:pic>
+        <p:nvPicPr>
+          <p:cNvPr id="22" name="object 9">
+            <a:extLst>
+              <a:ext uri="{FF2B5EF4-FFF2-40B4-BE49-F238E27FC236}">
+                <a16:creationId xmlns:a16="http://schemas.microsoft.com/office/drawing/2014/main" id="{B06F2A34-0361-4DFF-B49B-16655FF27D58}"/>
+              </a:ext>
+            </a:extLst>
+          </p:cNvPr>
+          <p:cNvPicPr/>
+          <p:nvPr/>
+        </p:nvPicPr>
+        <p:blipFill>
+          <a:blip r:embed="rId2" cstate="print"/>
+          <a:stretch>
+            <a:fillRect/>
+          </a:stretch>
+        </p:blipFill>
+        <p:spPr>
+          <a:xfrm>
+            <a:off x="1918715" y="331979"/>
+            <a:ext cx="2729483" cy="960119"/>
+          </a:xfrm>
+          <a:prstGeom prst="rect">
+            <a:avLst/>
+          </a:prstGeom>
+        </p:spPr>
+      </p:pic>
+    </p:spTree>
+  </p:cSld>
+  <p:clrMapOvr>
+    <a:masterClrMapping/>
+  </p:clrMapOvr>
+</p:sld>
+</file>
+
 <file path=ppt/slides/slide2.xml><?xml version="1.0" encoding="utf-8"?>
 <p:sld xmlns:a="http://schemas.openxmlformats.org/drawingml/2006/main" xmlns:r="http://schemas.openxmlformats.org/officeDocument/2006/relationships" xmlns:p="http://schemas.openxmlformats.org/presentationml/2006/main">
   <p:cSld>
@@ -5627,7 +6756,7 @@
             </a:pPr>
             <a:r>
               <a:rPr lang="ru-RU" dirty="0"/>
-              <a:t>Боссы</a:t>
+              <a:t>Комнаты боссов</a:t>
             </a:r>
             <a:endParaRPr spc="-10" dirty="0"/>
           </a:p>
@@ -5670,6 +6799,282 @@
           </a:p>
         </p:txBody>
       </p:sp>
+      <p:pic>
+        <p:nvPicPr>
+          <p:cNvPr id="3" name="Рисунок 2">
+            <a:extLst>
+              <a:ext uri="{FF2B5EF4-FFF2-40B4-BE49-F238E27FC236}">
+                <a16:creationId xmlns:a16="http://schemas.microsoft.com/office/drawing/2014/main" id="{38330811-9E8B-47BC-BB09-D0321E2182F2}"/>
+              </a:ext>
+            </a:extLst>
+          </p:cNvPr>
+          <p:cNvPicPr>
+            <a:picLocks noChangeAspect="1"/>
+          </p:cNvPicPr>
+          <p:nvPr/>
+        </p:nvPicPr>
+        <p:blipFill>
+          <a:blip r:embed="rId3"/>
+          <a:stretch>
+            <a:fillRect/>
+          </a:stretch>
+        </p:blipFill>
+        <p:spPr>
+          <a:xfrm>
+            <a:off x="2028362" y="1583820"/>
+            <a:ext cx="5367855" cy="3390580"/>
+          </a:xfrm>
+          <a:prstGeom prst="rect">
+            <a:avLst/>
+          </a:prstGeom>
+        </p:spPr>
+      </p:pic>
+      <p:pic>
+        <p:nvPicPr>
+          <p:cNvPr id="6" name="Рисунок 5">
+            <a:extLst>
+              <a:ext uri="{FF2B5EF4-FFF2-40B4-BE49-F238E27FC236}">
+                <a16:creationId xmlns:a16="http://schemas.microsoft.com/office/drawing/2014/main" id="{09DBFF96-125D-4E9C-AD1A-9E1A83980A74}"/>
+              </a:ext>
+            </a:extLst>
+          </p:cNvPr>
+          <p:cNvPicPr>
+            <a:picLocks noChangeAspect="1"/>
+          </p:cNvPicPr>
+          <p:nvPr/>
+        </p:nvPicPr>
+        <p:blipFill>
+          <a:blip r:embed="rId4"/>
+          <a:stretch>
+            <a:fillRect/>
+          </a:stretch>
+        </p:blipFill>
+        <p:spPr>
+          <a:xfrm>
+            <a:off x="2028362" y="5302627"/>
+            <a:ext cx="5367855" cy="3312224"/>
+          </a:xfrm>
+          <a:prstGeom prst="rect">
+            <a:avLst/>
+          </a:prstGeom>
+        </p:spPr>
+      </p:pic>
+      <p:pic>
+        <p:nvPicPr>
+          <p:cNvPr id="8" name="Рисунок 7">
+            <a:extLst>
+              <a:ext uri="{FF2B5EF4-FFF2-40B4-BE49-F238E27FC236}">
+                <a16:creationId xmlns:a16="http://schemas.microsoft.com/office/drawing/2014/main" id="{8D723F55-4D0C-4B25-8782-475FFB9281CA}"/>
+              </a:ext>
+            </a:extLst>
+          </p:cNvPr>
+          <p:cNvPicPr>
+            <a:picLocks noChangeAspect="1"/>
+          </p:cNvPicPr>
+          <p:nvPr/>
+        </p:nvPicPr>
+        <p:blipFill>
+          <a:blip r:embed="rId5"/>
+          <a:stretch>
+            <a:fillRect/>
+          </a:stretch>
+        </p:blipFill>
+        <p:spPr>
+          <a:xfrm>
+            <a:off x="9734550" y="1642627"/>
+            <a:ext cx="5367855" cy="3331772"/>
+          </a:xfrm>
+          <a:prstGeom prst="rect">
+            <a:avLst/>
+          </a:prstGeom>
+        </p:spPr>
+      </p:pic>
+      <p:pic>
+        <p:nvPicPr>
+          <p:cNvPr id="10" name="Рисунок 9">
+            <a:extLst>
+              <a:ext uri="{FF2B5EF4-FFF2-40B4-BE49-F238E27FC236}">
+                <a16:creationId xmlns:a16="http://schemas.microsoft.com/office/drawing/2014/main" id="{02800D94-84C2-471C-BF46-F9BD9EC2AACB}"/>
+              </a:ext>
+            </a:extLst>
+          </p:cNvPr>
+          <p:cNvPicPr>
+            <a:picLocks noChangeAspect="1"/>
+          </p:cNvPicPr>
+          <p:nvPr/>
+        </p:nvPicPr>
+        <p:blipFill>
+          <a:blip r:embed="rId6"/>
+          <a:stretch>
+            <a:fillRect/>
+          </a:stretch>
+        </p:blipFill>
+        <p:spPr>
+          <a:xfrm>
+            <a:off x="9729682" y="5315174"/>
+            <a:ext cx="5390078" cy="3312224"/>
+          </a:xfrm>
+          <a:prstGeom prst="rect">
+            <a:avLst/>
+          </a:prstGeom>
+        </p:spPr>
+      </p:pic>
+    </p:spTree>
+    <p:extLst>
+      <p:ext uri="{BB962C8B-B14F-4D97-AF65-F5344CB8AC3E}">
+        <p14:creationId xmlns:p14="http://schemas.microsoft.com/office/powerpoint/2010/main" val="2982700973"/>
+      </p:ext>
+    </p:extLst>
+  </p:cSld>
+  <p:clrMapOvr>
+    <a:masterClrMapping/>
+  </p:clrMapOvr>
+</p:sld>
+</file>
+
+<file path=ppt/slides/slide8.xml><?xml version="1.0" encoding="utf-8"?>
+<p:sld xmlns:a="http://schemas.openxmlformats.org/drawingml/2006/main" xmlns:r="http://schemas.openxmlformats.org/officeDocument/2006/relationships" xmlns:p="http://schemas.openxmlformats.org/presentationml/2006/main">
+  <p:cSld>
+    <p:spTree>
+      <p:nvGrpSpPr>
+        <p:cNvPr id="1" name=""/>
+        <p:cNvGrpSpPr/>
+        <p:nvPr/>
+      </p:nvGrpSpPr>
+      <p:grpSpPr>
+        <a:xfrm>
+          <a:off x="0" y="0"/>
+          <a:ext cx="0" cy="0"/>
+          <a:chOff x="0" y="0"/>
+          <a:chExt cx="0" cy="0"/>
+        </a:xfrm>
+      </p:grpSpPr>
+      <p:sp>
+        <p:nvSpPr>
+          <p:cNvPr id="16" name="object 16"/>
+          <p:cNvSpPr txBox="1">
+            <a:spLocks noGrp="1"/>
+          </p:cNvSpPr>
+          <p:nvPr>
+            <p:ph type="sldNum" sz="quarter" idx="7"/>
+          </p:nvPr>
+        </p:nvSpPr>
+        <p:spPr>
+          <a:prstGeom prst="rect">
+            <a:avLst/>
+          </a:prstGeom>
+        </p:spPr>
+        <p:txBody>
+          <a:bodyPr vert="horz" wrap="square" lIns="0" tIns="3810" rIns="0" bIns="0" rtlCol="0">
+            <a:spAutoFit/>
+          </a:bodyPr>
+          <a:lstStyle/>
+          <a:p>
+            <a:pPr marL="137160">
+              <a:lnSpc>
+                <a:spcPct val="100000"/>
+              </a:lnSpc>
+              <a:spcBef>
+                <a:spcPts val="30"/>
+              </a:spcBef>
+            </a:pPr>
+            <a:fld id="{81D60167-4931-47E6-BA6A-407CBD079E47}" type="slidenum">
+              <a:rPr spc="-50" dirty="0"/>
+              <a:t>8</a:t>
+            </a:fld>
+            <a:endParaRPr spc="-50" dirty="0"/>
+          </a:p>
+        </p:txBody>
+      </p:sp>
+      <p:pic>
+        <p:nvPicPr>
+          <p:cNvPr id="12" name="Рисунок 11">
+            <a:extLst>
+              <a:ext uri="{FF2B5EF4-FFF2-40B4-BE49-F238E27FC236}">
+                <a16:creationId xmlns:a16="http://schemas.microsoft.com/office/drawing/2014/main" id="{E6FB76B5-1605-4FD1-ACED-5A8E93D85EE1}"/>
+              </a:ext>
+            </a:extLst>
+          </p:cNvPr>
+          <p:cNvPicPr>
+            <a:picLocks noChangeAspect="1"/>
+          </p:cNvPicPr>
+          <p:nvPr/>
+        </p:nvPicPr>
+        <p:blipFill>
+          <a:blip r:embed="rId3"/>
+          <a:stretch>
+            <a:fillRect/>
+          </a:stretch>
+        </p:blipFill>
+        <p:spPr>
+          <a:xfrm>
+            <a:off x="5619750" y="838200"/>
+            <a:ext cx="5742587" cy="3582732"/>
+          </a:xfrm>
+          <a:prstGeom prst="rect">
+            <a:avLst/>
+          </a:prstGeom>
+        </p:spPr>
+      </p:pic>
+      <p:pic>
+        <p:nvPicPr>
+          <p:cNvPr id="14" name="Рисунок 13">
+            <a:extLst>
+              <a:ext uri="{FF2B5EF4-FFF2-40B4-BE49-F238E27FC236}">
+                <a16:creationId xmlns:a16="http://schemas.microsoft.com/office/drawing/2014/main" id="{B772455D-D0A5-4141-B45E-1E90EA856637}"/>
+              </a:ext>
+            </a:extLst>
+          </p:cNvPr>
+          <p:cNvPicPr>
+            <a:picLocks noChangeAspect="1"/>
+          </p:cNvPicPr>
+          <p:nvPr/>
+        </p:nvPicPr>
+        <p:blipFill>
+          <a:blip r:embed="rId4"/>
+          <a:stretch>
+            <a:fillRect/>
+          </a:stretch>
+        </p:blipFill>
+        <p:spPr>
+          <a:xfrm>
+            <a:off x="1809750" y="4792575"/>
+            <a:ext cx="5829281" cy="3616654"/>
+          </a:xfrm>
+          <a:prstGeom prst="rect">
+            <a:avLst/>
+          </a:prstGeom>
+        </p:spPr>
+      </p:pic>
+      <p:pic>
+        <p:nvPicPr>
+          <p:cNvPr id="17" name="Рисунок 16">
+            <a:extLst>
+              <a:ext uri="{FF2B5EF4-FFF2-40B4-BE49-F238E27FC236}">
+                <a16:creationId xmlns:a16="http://schemas.microsoft.com/office/drawing/2014/main" id="{0FE588F2-4DFA-421B-9DB3-EB0034BEA41F}"/>
+              </a:ext>
+            </a:extLst>
+          </p:cNvPr>
+          <p:cNvPicPr>
+            <a:picLocks noChangeAspect="1"/>
+          </p:cNvPicPr>
+          <p:nvPr/>
+        </p:nvPicPr>
+        <p:blipFill rotWithShape="1">
+          <a:blip r:embed="rId5"/>
+          <a:srcRect l="1488"/>
+          <a:stretch/>
+        </p:blipFill>
+        <p:spPr>
+          <a:xfrm>
+            <a:off x="9783163" y="4826496"/>
+            <a:ext cx="5742587" cy="3582732"/>
+          </a:xfrm>
+          <a:prstGeom prst="rect">
+            <a:avLst/>
+          </a:prstGeom>
+        </p:spPr>
+      </p:pic>
     </p:spTree>
     <p:extLst>
       <p:ext uri="{BB962C8B-B14F-4D97-AF65-F5344CB8AC3E}">
@@ -5683,7 +7088,7 @@
 </p:sld>
 </file>
 
-<file path=ppt/slides/slide8.xml><?xml version="1.0" encoding="utf-8"?>
+<file path=ppt/slides/slide9.xml><?xml version="1.0" encoding="utf-8"?>
 <p:sld xmlns:a="http://schemas.openxmlformats.org/drawingml/2006/main" xmlns:r="http://schemas.openxmlformats.org/officeDocument/2006/relationships" xmlns:p="http://schemas.openxmlformats.org/presentationml/2006/main">
   <p:cSld>
     <p:spTree>
@@ -5772,7 +7177,7 @@
             </a:pPr>
             <a:fld id="{81D60167-4931-47E6-BA6A-407CBD079E47}" type="slidenum">
               <a:rPr spc="-50" dirty="0"/>
-              <a:t>8</a:t>
+              <a:t>9</a:t>
             </a:fld>
             <a:endParaRPr spc="-50" dirty="0"/>
           </a:p>
@@ -5902,966 +7307,6 @@
         <p14:creationId xmlns:p14="http://schemas.microsoft.com/office/powerpoint/2010/main" val="2822603195"/>
       </p:ext>
     </p:extLst>
-  </p:cSld>
-  <p:clrMapOvr>
-    <a:masterClrMapping/>
-  </p:clrMapOvr>
-</p:sld>
-</file>
-
-<file path=ppt/slides/slide9.xml><?xml version="1.0" encoding="utf-8"?>
-<p:sld xmlns:a="http://schemas.openxmlformats.org/drawingml/2006/main" xmlns:r="http://schemas.openxmlformats.org/officeDocument/2006/relationships" xmlns:p="http://schemas.openxmlformats.org/presentationml/2006/main">
-  <p:cSld>
-    <p:spTree>
-      <p:nvGrpSpPr>
-        <p:cNvPr id="1" name=""/>
-        <p:cNvGrpSpPr/>
-        <p:nvPr/>
-      </p:nvGrpSpPr>
-      <p:grpSpPr>
-        <a:xfrm>
-          <a:off x="0" y="0"/>
-          <a:ext cx="0" cy="0"/>
-          <a:chOff x="0" y="0"/>
-          <a:chExt cx="0" cy="0"/>
-        </a:xfrm>
-      </p:grpSpPr>
-      <p:sp>
-        <p:nvSpPr>
-          <p:cNvPr id="2" name="object 2"/>
-          <p:cNvSpPr/>
-          <p:nvPr/>
-        </p:nvSpPr>
-        <p:spPr>
-          <a:xfrm>
-            <a:off x="0" y="0"/>
-            <a:ext cx="17337405" cy="9752330"/>
-          </a:xfrm>
-          <a:custGeom>
-            <a:avLst/>
-            <a:gdLst/>
-            <a:ahLst/>
-            <a:cxnLst/>
-            <a:rect l="l" t="t" r="r" b="b"/>
-            <a:pathLst>
-              <a:path w="17337405" h="9752330">
-                <a:moveTo>
-                  <a:pt x="17337024" y="0"/>
-                </a:moveTo>
-                <a:lnTo>
-                  <a:pt x="0" y="0"/>
-                </a:lnTo>
-                <a:lnTo>
-                  <a:pt x="0" y="9752076"/>
-                </a:lnTo>
-                <a:lnTo>
-                  <a:pt x="17337024" y="9752076"/>
-                </a:lnTo>
-                <a:lnTo>
-                  <a:pt x="17337024" y="0"/>
-                </a:lnTo>
-                <a:close/>
-              </a:path>
-            </a:pathLst>
-          </a:custGeom>
-          <a:solidFill>
-            <a:srgbClr val="F0F0F0"/>
-          </a:solidFill>
-        </p:spPr>
-        <p:txBody>
-          <a:bodyPr wrap="square" lIns="0" tIns="0" rIns="0" bIns="0" rtlCol="0"/>
-          <a:lstStyle/>
-          <a:p>
-            <a:endParaRPr/>
-          </a:p>
-        </p:txBody>
-      </p:sp>
-      <p:grpSp>
-        <p:nvGrpSpPr>
-          <p:cNvPr id="3" name="object 3"/>
-          <p:cNvGrpSpPr/>
-          <p:nvPr/>
-        </p:nvGrpSpPr>
-        <p:grpSpPr>
-          <a:xfrm>
-            <a:off x="0" y="1292098"/>
-            <a:ext cx="17049750" cy="8460485"/>
-            <a:chOff x="0" y="1685543"/>
-            <a:chExt cx="10262997" cy="8067040"/>
-          </a:xfrm>
-        </p:grpSpPr>
-        <p:sp>
-          <p:nvSpPr>
-            <p:cNvPr id="5" name="object 5"/>
-            <p:cNvSpPr/>
-            <p:nvPr/>
-          </p:nvSpPr>
-          <p:spPr>
-            <a:xfrm>
-              <a:off x="8668512" y="4376927"/>
-              <a:ext cx="1594485" cy="5375275"/>
-            </a:xfrm>
-            <a:custGeom>
-              <a:avLst/>
-              <a:gdLst/>
-              <a:ahLst/>
-              <a:cxnLst/>
-              <a:rect l="l" t="t" r="r" b="b"/>
-              <a:pathLst>
-                <a:path w="1594484" h="5375275">
-                  <a:moveTo>
-                    <a:pt x="0" y="0"/>
-                  </a:moveTo>
-                  <a:lnTo>
-                    <a:pt x="0" y="5375148"/>
-                  </a:lnTo>
-                  <a:lnTo>
-                    <a:pt x="1543698" y="5375148"/>
-                  </a:lnTo>
-                  <a:lnTo>
-                    <a:pt x="1553217" y="5290870"/>
-                  </a:lnTo>
-                  <a:lnTo>
-                    <a:pt x="1558446" y="5240078"/>
-                  </a:lnTo>
-                  <a:lnTo>
-                    <a:pt x="1563323" y="5189181"/>
-                  </a:lnTo>
-                  <a:lnTo>
-                    <a:pt x="1567847" y="5138182"/>
-                  </a:lnTo>
-                  <a:lnTo>
-                    <a:pt x="1572016" y="5087082"/>
-                  </a:lnTo>
-                  <a:lnTo>
-                    <a:pt x="1575828" y="5035882"/>
-                  </a:lnTo>
-                  <a:lnTo>
-                    <a:pt x="1579284" y="4984584"/>
-                  </a:lnTo>
-                  <a:lnTo>
-                    <a:pt x="1582381" y="4933188"/>
-                  </a:lnTo>
-                  <a:lnTo>
-                    <a:pt x="1585118" y="4881695"/>
-                  </a:lnTo>
-                  <a:lnTo>
-                    <a:pt x="1587495" y="4830108"/>
-                  </a:lnTo>
-                  <a:lnTo>
-                    <a:pt x="1589509" y="4778427"/>
-                  </a:lnTo>
-                  <a:lnTo>
-                    <a:pt x="1591160" y="4726654"/>
-                  </a:lnTo>
-                  <a:lnTo>
-                    <a:pt x="1592446" y="4674789"/>
-                  </a:lnTo>
-                  <a:lnTo>
-                    <a:pt x="1593366" y="4622834"/>
-                  </a:lnTo>
-                  <a:lnTo>
-                    <a:pt x="1593919" y="4570791"/>
-                  </a:lnTo>
-                  <a:lnTo>
-                    <a:pt x="1594103" y="4518660"/>
-                  </a:lnTo>
-                  <a:lnTo>
-                    <a:pt x="1593919" y="4466528"/>
-                  </a:lnTo>
-                  <a:lnTo>
-                    <a:pt x="1593366" y="4414485"/>
-                  </a:lnTo>
-                  <a:lnTo>
-                    <a:pt x="1592446" y="4362530"/>
-                  </a:lnTo>
-                  <a:lnTo>
-                    <a:pt x="1591160" y="4310665"/>
-                  </a:lnTo>
-                  <a:lnTo>
-                    <a:pt x="1589509" y="4258892"/>
-                  </a:lnTo>
-                  <a:lnTo>
-                    <a:pt x="1587495" y="4207211"/>
-                  </a:lnTo>
-                  <a:lnTo>
-                    <a:pt x="1585118" y="4155624"/>
-                  </a:lnTo>
-                  <a:lnTo>
-                    <a:pt x="1582381" y="4104131"/>
-                  </a:lnTo>
-                  <a:lnTo>
-                    <a:pt x="1579284" y="4052735"/>
-                  </a:lnTo>
-                  <a:lnTo>
-                    <a:pt x="1575828" y="4001437"/>
-                  </a:lnTo>
-                  <a:lnTo>
-                    <a:pt x="1572016" y="3950237"/>
-                  </a:lnTo>
-                  <a:lnTo>
-                    <a:pt x="1567847" y="3899137"/>
-                  </a:lnTo>
-                  <a:lnTo>
-                    <a:pt x="1563323" y="3848138"/>
-                  </a:lnTo>
-                  <a:lnTo>
-                    <a:pt x="1558446" y="3797241"/>
-                  </a:lnTo>
-                  <a:lnTo>
-                    <a:pt x="1553217" y="3746449"/>
-                  </a:lnTo>
-                  <a:lnTo>
-                    <a:pt x="1547636" y="3695761"/>
-                  </a:lnTo>
-                  <a:lnTo>
-                    <a:pt x="1541706" y="3645179"/>
-                  </a:lnTo>
-                  <a:lnTo>
-                    <a:pt x="1535427" y="3594704"/>
-                  </a:lnTo>
-                  <a:lnTo>
-                    <a:pt x="1528801" y="3544338"/>
-                  </a:lnTo>
-                  <a:lnTo>
-                    <a:pt x="1521828" y="3494082"/>
-                  </a:lnTo>
-                  <a:lnTo>
-                    <a:pt x="1514511" y="3443937"/>
-                  </a:lnTo>
-                  <a:lnTo>
-                    <a:pt x="1506850" y="3393905"/>
-                  </a:lnTo>
-                  <a:lnTo>
-                    <a:pt x="1498847" y="3343985"/>
-                  </a:lnTo>
-                  <a:lnTo>
-                    <a:pt x="1490503" y="3294181"/>
-                  </a:lnTo>
-                  <a:lnTo>
-                    <a:pt x="1481818" y="3244492"/>
-                  </a:lnTo>
-                  <a:lnTo>
-                    <a:pt x="1472795" y="3194921"/>
-                  </a:lnTo>
-                  <a:lnTo>
-                    <a:pt x="1463435" y="3145468"/>
-                  </a:lnTo>
-                  <a:lnTo>
-                    <a:pt x="1453738" y="3096135"/>
-                  </a:lnTo>
-                  <a:lnTo>
-                    <a:pt x="1443706" y="3046923"/>
-                  </a:lnTo>
-                  <a:lnTo>
-                    <a:pt x="1433341" y="2997834"/>
-                  </a:lnTo>
-                  <a:lnTo>
-                    <a:pt x="1422643" y="2948867"/>
-                  </a:lnTo>
-                  <a:lnTo>
-                    <a:pt x="1411614" y="2900025"/>
-                  </a:lnTo>
-                  <a:lnTo>
-                    <a:pt x="1400255" y="2851309"/>
-                  </a:lnTo>
-                  <a:lnTo>
-                    <a:pt x="1388567" y="2802721"/>
-                  </a:lnTo>
-                  <a:lnTo>
-                    <a:pt x="1376551" y="2754260"/>
-                  </a:lnTo>
-                  <a:lnTo>
-                    <a:pt x="1364210" y="2705929"/>
-                  </a:lnTo>
-                  <a:lnTo>
-                    <a:pt x="1351543" y="2657730"/>
-                  </a:lnTo>
-                  <a:lnTo>
-                    <a:pt x="1338552" y="2609662"/>
-                  </a:lnTo>
-                  <a:lnTo>
-                    <a:pt x="1325239" y="2561727"/>
-                  </a:lnTo>
-                  <a:lnTo>
-                    <a:pt x="1311604" y="2513927"/>
-                  </a:lnTo>
-                  <a:lnTo>
-                    <a:pt x="1297649" y="2466263"/>
-                  </a:lnTo>
-                  <a:lnTo>
-                    <a:pt x="1283375" y="2418736"/>
-                  </a:lnTo>
-                  <a:lnTo>
-                    <a:pt x="1268784" y="2371347"/>
-                  </a:lnTo>
-                  <a:lnTo>
-                    <a:pt x="1253876" y="2324098"/>
-                  </a:lnTo>
-                  <a:lnTo>
-                    <a:pt x="1238653" y="2276989"/>
-                  </a:lnTo>
-                  <a:lnTo>
-                    <a:pt x="1223117" y="2230022"/>
-                  </a:lnTo>
-                  <a:lnTo>
-                    <a:pt x="1207267" y="2183199"/>
-                  </a:lnTo>
-                  <a:lnTo>
-                    <a:pt x="1191106" y="2136520"/>
-                  </a:lnTo>
-                  <a:lnTo>
-                    <a:pt x="1174635" y="2089987"/>
-                  </a:lnTo>
-                  <a:lnTo>
-                    <a:pt x="1157855" y="2043600"/>
-                  </a:lnTo>
-                  <a:lnTo>
-                    <a:pt x="1140767" y="1997362"/>
-                  </a:lnTo>
-                  <a:lnTo>
-                    <a:pt x="1123372" y="1951274"/>
-                  </a:lnTo>
-                  <a:lnTo>
-                    <a:pt x="1105672" y="1905335"/>
-                  </a:lnTo>
-                  <a:lnTo>
-                    <a:pt x="1087669" y="1859549"/>
-                  </a:lnTo>
-                  <a:lnTo>
-                    <a:pt x="1069362" y="1813916"/>
-                  </a:lnTo>
-                  <a:lnTo>
-                    <a:pt x="1050754" y="1768437"/>
-                  </a:lnTo>
-                  <a:lnTo>
-                    <a:pt x="1031845" y="1723114"/>
-                  </a:lnTo>
-                  <a:lnTo>
-                    <a:pt x="1012638" y="1677948"/>
-                  </a:lnTo>
-                  <a:lnTo>
-                    <a:pt x="993133" y="1632939"/>
-                  </a:lnTo>
-                  <a:lnTo>
-                    <a:pt x="973331" y="1588090"/>
-                  </a:lnTo>
-                  <a:lnTo>
-                    <a:pt x="953233" y="1543402"/>
-                  </a:lnTo>
-                  <a:lnTo>
-                    <a:pt x="932842" y="1498875"/>
-                  </a:lnTo>
-                  <a:lnTo>
-                    <a:pt x="912157" y="1454511"/>
-                  </a:lnTo>
-                  <a:lnTo>
-                    <a:pt x="891181" y="1410312"/>
-                  </a:lnTo>
-                  <a:lnTo>
-                    <a:pt x="869915" y="1366278"/>
-                  </a:lnTo>
-                  <a:lnTo>
-                    <a:pt x="848359" y="1322411"/>
-                  </a:lnTo>
-                  <a:lnTo>
-                    <a:pt x="826516" y="1278712"/>
-                  </a:lnTo>
-                  <a:lnTo>
-                    <a:pt x="804385" y="1235181"/>
-                  </a:lnTo>
-                  <a:lnTo>
-                    <a:pt x="781970" y="1191822"/>
-                  </a:lnTo>
-                  <a:lnTo>
-                    <a:pt x="759270" y="1148634"/>
-                  </a:lnTo>
-                  <a:lnTo>
-                    <a:pt x="736287" y="1105619"/>
-                  </a:lnTo>
-                  <a:lnTo>
-                    <a:pt x="713022" y="1062778"/>
-                  </a:lnTo>
-                  <a:lnTo>
-                    <a:pt x="689477" y="1020112"/>
-                  </a:lnTo>
-                  <a:lnTo>
-                    <a:pt x="665652" y="977623"/>
-                  </a:lnTo>
-                  <a:lnTo>
-                    <a:pt x="641550" y="935312"/>
-                  </a:lnTo>
-                  <a:lnTo>
-                    <a:pt x="617170" y="893180"/>
-                  </a:lnTo>
-                  <a:lnTo>
-                    <a:pt x="592515" y="851229"/>
-                  </a:lnTo>
-                  <a:lnTo>
-                    <a:pt x="567586" y="809459"/>
-                  </a:lnTo>
-                  <a:lnTo>
-                    <a:pt x="542384" y="767871"/>
-                  </a:lnTo>
-                  <a:lnTo>
-                    <a:pt x="516909" y="726468"/>
-                  </a:lnTo>
-                  <a:lnTo>
-                    <a:pt x="491165" y="685250"/>
-                  </a:lnTo>
-                  <a:lnTo>
-                    <a:pt x="465150" y="644219"/>
-                  </a:lnTo>
-                  <a:lnTo>
-                    <a:pt x="438868" y="603375"/>
-                  </a:lnTo>
-                  <a:lnTo>
-                    <a:pt x="412319" y="562720"/>
-                  </a:lnTo>
-                  <a:lnTo>
-                    <a:pt x="385504" y="522256"/>
-                  </a:lnTo>
-                  <a:lnTo>
-                    <a:pt x="358425" y="481983"/>
-                  </a:lnTo>
-                  <a:lnTo>
-                    <a:pt x="331082" y="441902"/>
-                  </a:lnTo>
-                  <a:lnTo>
-                    <a:pt x="303477" y="402016"/>
-                  </a:lnTo>
-                  <a:lnTo>
-                    <a:pt x="275612" y="362325"/>
-                  </a:lnTo>
-                  <a:lnTo>
-                    <a:pt x="247488" y="322830"/>
-                  </a:lnTo>
-                  <a:lnTo>
-                    <a:pt x="219105" y="283533"/>
-                  </a:lnTo>
-                  <a:lnTo>
-                    <a:pt x="190465" y="244434"/>
-                  </a:lnTo>
-                  <a:lnTo>
-                    <a:pt x="161569" y="205536"/>
-                  </a:lnTo>
-                  <a:lnTo>
-                    <a:pt x="0" y="0"/>
-                  </a:lnTo>
-                  <a:close/>
-                </a:path>
-              </a:pathLst>
-            </a:custGeom>
-            <a:solidFill>
-              <a:srgbClr val="FFCC00"/>
-            </a:solidFill>
-          </p:spPr>
-          <p:txBody>
-            <a:bodyPr wrap="square" lIns="0" tIns="0" rIns="0" bIns="0" rtlCol="0"/>
-            <a:lstStyle/>
-            <a:p>
-              <a:endParaRPr/>
-            </a:p>
-          </p:txBody>
-        </p:sp>
-        <p:sp>
-          <p:nvSpPr>
-            <p:cNvPr id="6" name="object 6"/>
-            <p:cNvSpPr/>
-            <p:nvPr/>
-          </p:nvSpPr>
-          <p:spPr>
-            <a:xfrm>
-              <a:off x="0" y="1685543"/>
-              <a:ext cx="8669020" cy="8067040"/>
-            </a:xfrm>
-            <a:custGeom>
-              <a:avLst/>
-              <a:gdLst/>
-              <a:ahLst/>
-              <a:cxnLst/>
-              <a:rect l="l" t="t" r="r" b="b"/>
-              <a:pathLst>
-                <a:path w="8669020" h="8067040">
-                  <a:moveTo>
-                    <a:pt x="3053139" y="0"/>
-                  </a:moveTo>
-                  <a:lnTo>
-                    <a:pt x="2993474" y="241"/>
-                  </a:lnTo>
-                  <a:lnTo>
-                    <a:pt x="2874490" y="2170"/>
-                  </a:lnTo>
-                  <a:lnTo>
-                    <a:pt x="2755981" y="6013"/>
-                  </a:lnTo>
-                  <a:lnTo>
-                    <a:pt x="2637961" y="11755"/>
-                  </a:lnTo>
-                  <a:lnTo>
-                    <a:pt x="2520445" y="19382"/>
-                  </a:lnTo>
-                  <a:lnTo>
-                    <a:pt x="2403449" y="28879"/>
-                  </a:lnTo>
-                  <a:lnTo>
-                    <a:pt x="2286986" y="40231"/>
-                  </a:lnTo>
-                  <a:lnTo>
-                    <a:pt x="2171072" y="53423"/>
-                  </a:lnTo>
-                  <a:lnTo>
-                    <a:pt x="2055722" y="68441"/>
-                  </a:lnTo>
-                  <a:lnTo>
-                    <a:pt x="1940950" y="85269"/>
-                  </a:lnTo>
-                  <a:lnTo>
-                    <a:pt x="1826772" y="103892"/>
-                  </a:lnTo>
-                  <a:lnTo>
-                    <a:pt x="1713202" y="124296"/>
-                  </a:lnTo>
-                  <a:lnTo>
-                    <a:pt x="1600255" y="146466"/>
-                  </a:lnTo>
-                  <a:lnTo>
-                    <a:pt x="1487945" y="170388"/>
-                  </a:lnTo>
-                  <a:lnTo>
-                    <a:pt x="1376289" y="196045"/>
-                  </a:lnTo>
-                  <a:lnTo>
-                    <a:pt x="1265299" y="223424"/>
-                  </a:lnTo>
-                  <a:lnTo>
-                    <a:pt x="1154993" y="252510"/>
-                  </a:lnTo>
-                  <a:lnTo>
-                    <a:pt x="1045383" y="283287"/>
-                  </a:lnTo>
-                  <a:lnTo>
-                    <a:pt x="936486" y="315741"/>
-                  </a:lnTo>
-                  <a:lnTo>
-                    <a:pt x="828315" y="349857"/>
-                  </a:lnTo>
-                  <a:lnTo>
-                    <a:pt x="720886" y="385620"/>
-                  </a:lnTo>
-                  <a:lnTo>
-                    <a:pt x="614214" y="423016"/>
-                  </a:lnTo>
-                  <a:lnTo>
-                    <a:pt x="508313" y="462029"/>
-                  </a:lnTo>
-                  <a:lnTo>
-                    <a:pt x="403199" y="502644"/>
-                  </a:lnTo>
-                  <a:lnTo>
-                    <a:pt x="298885" y="544848"/>
-                  </a:lnTo>
-                  <a:lnTo>
-                    <a:pt x="195388" y="588625"/>
-                  </a:lnTo>
-                  <a:lnTo>
-                    <a:pt x="92721" y="633959"/>
-                  </a:lnTo>
-                  <a:lnTo>
-                    <a:pt x="0" y="676605"/>
-                  </a:lnTo>
-                  <a:lnTo>
-                    <a:pt x="0" y="8066532"/>
-                  </a:lnTo>
-                  <a:lnTo>
-                    <a:pt x="8668508" y="8066532"/>
-                  </a:lnTo>
-                  <a:lnTo>
-                    <a:pt x="8668508" y="2690304"/>
-                  </a:lnTo>
-                  <a:lnTo>
-                    <a:pt x="8616019" y="2623515"/>
-                  </a:lnTo>
-                  <a:lnTo>
-                    <a:pt x="8585146" y="2586358"/>
-                  </a:lnTo>
-                  <a:lnTo>
-                    <a:pt x="8554031" y="2549412"/>
-                  </a:lnTo>
-                  <a:lnTo>
-                    <a:pt x="8522673" y="2512678"/>
-                  </a:lnTo>
-                  <a:lnTo>
-                    <a:pt x="8491074" y="2476158"/>
-                  </a:lnTo>
-                  <a:lnTo>
-                    <a:pt x="8459235" y="2439851"/>
-                  </a:lnTo>
-                  <a:lnTo>
-                    <a:pt x="8427158" y="2403760"/>
-                  </a:lnTo>
-                  <a:lnTo>
-                    <a:pt x="8394843" y="2367887"/>
-                  </a:lnTo>
-                  <a:lnTo>
-                    <a:pt x="8362292" y="2332231"/>
-                  </a:lnTo>
-                  <a:lnTo>
-                    <a:pt x="8329506" y="2296794"/>
-                  </a:lnTo>
-                  <a:lnTo>
-                    <a:pt x="8296487" y="2261578"/>
-                  </a:lnTo>
-                  <a:lnTo>
-                    <a:pt x="8263235" y="2226584"/>
-                  </a:lnTo>
-                  <a:lnTo>
-                    <a:pt x="8229752" y="2191813"/>
-                  </a:lnTo>
-                  <a:lnTo>
-                    <a:pt x="8196039" y="2157266"/>
-                  </a:lnTo>
-                  <a:lnTo>
-                    <a:pt x="8162097" y="2122945"/>
-                  </a:lnTo>
-                  <a:lnTo>
-                    <a:pt x="8127928" y="2088850"/>
-                  </a:lnTo>
-                  <a:lnTo>
-                    <a:pt x="8093532" y="2054983"/>
-                  </a:lnTo>
-                  <a:lnTo>
-                    <a:pt x="8058911" y="2021346"/>
-                  </a:lnTo>
-                  <a:lnTo>
-                    <a:pt x="8024067" y="1987938"/>
-                  </a:lnTo>
-                  <a:lnTo>
-                    <a:pt x="7989000" y="1954763"/>
-                  </a:lnTo>
-                  <a:lnTo>
-                    <a:pt x="7953711" y="1921820"/>
-                  </a:lnTo>
-                  <a:lnTo>
-                    <a:pt x="7918203" y="1889111"/>
-                  </a:lnTo>
-                  <a:lnTo>
-                    <a:pt x="7882475" y="1856638"/>
-                  </a:lnTo>
-                  <a:lnTo>
-                    <a:pt x="7846530" y="1824401"/>
-                  </a:lnTo>
-                  <a:lnTo>
-                    <a:pt x="7810368" y="1792402"/>
-                  </a:lnTo>
-                  <a:lnTo>
-                    <a:pt x="7773991" y="1760642"/>
-                  </a:lnTo>
-                  <a:lnTo>
-                    <a:pt x="7737401" y="1729122"/>
-                  </a:lnTo>
-                  <a:lnTo>
-                    <a:pt x="7700597" y="1697844"/>
-                  </a:lnTo>
-                  <a:lnTo>
-                    <a:pt x="7663582" y="1666809"/>
-                  </a:lnTo>
-                  <a:lnTo>
-                    <a:pt x="7626357" y="1636017"/>
-                  </a:lnTo>
-                  <a:lnTo>
-                    <a:pt x="7588922" y="1605470"/>
-                  </a:lnTo>
-                  <a:lnTo>
-                    <a:pt x="7551280" y="1575170"/>
-                  </a:lnTo>
-                  <a:lnTo>
-                    <a:pt x="7513431" y="1545118"/>
-                  </a:lnTo>
-                  <a:lnTo>
-                    <a:pt x="7475377" y="1515314"/>
-                  </a:lnTo>
-                  <a:lnTo>
-                    <a:pt x="7437118" y="1485761"/>
-                  </a:lnTo>
-                  <a:lnTo>
-                    <a:pt x="7398657" y="1456458"/>
-                  </a:lnTo>
-                  <a:lnTo>
-                    <a:pt x="7359994" y="1427409"/>
-                  </a:lnTo>
-                  <a:lnTo>
-                    <a:pt x="7321131" y="1398613"/>
-                  </a:lnTo>
-                  <a:lnTo>
-                    <a:pt x="7282068" y="1370072"/>
-                  </a:lnTo>
-                  <a:lnTo>
-                    <a:pt x="7242807" y="1341787"/>
-                  </a:lnTo>
-                  <a:lnTo>
-                    <a:pt x="7203350" y="1313760"/>
-                  </a:lnTo>
-                  <a:lnTo>
-                    <a:pt x="7123850" y="1258483"/>
-                  </a:lnTo>
-                  <a:lnTo>
-                    <a:pt x="7043578" y="1204250"/>
-                  </a:lnTo>
-                  <a:lnTo>
-                    <a:pt x="6962543" y="1151072"/>
-                  </a:lnTo>
-                  <a:lnTo>
-                    <a:pt x="6880756" y="1098959"/>
-                  </a:lnTo>
-                  <a:lnTo>
-                    <a:pt x="6798226" y="1047919"/>
-                  </a:lnTo>
-                  <a:lnTo>
-                    <a:pt x="6714963" y="997964"/>
-                  </a:lnTo>
-                  <a:lnTo>
-                    <a:pt x="6630977" y="949102"/>
-                  </a:lnTo>
-                  <a:lnTo>
-                    <a:pt x="6546278" y="901344"/>
-                  </a:lnTo>
-                  <a:lnTo>
-                    <a:pt x="6460875" y="854700"/>
-                  </a:lnTo>
-                  <a:lnTo>
-                    <a:pt x="6374779" y="809179"/>
-                  </a:lnTo>
-                  <a:lnTo>
-                    <a:pt x="6288000" y="764791"/>
-                  </a:lnTo>
-                  <a:lnTo>
-                    <a:pt x="6200546" y="721547"/>
-                  </a:lnTo>
-                  <a:lnTo>
-                    <a:pt x="6112429" y="679455"/>
-                  </a:lnTo>
-                  <a:lnTo>
-                    <a:pt x="6023658" y="638526"/>
-                  </a:lnTo>
-                  <a:lnTo>
-                    <a:pt x="5934242" y="598770"/>
-                  </a:lnTo>
-                  <a:lnTo>
-                    <a:pt x="5844192" y="560196"/>
-                  </a:lnTo>
-                  <a:lnTo>
-                    <a:pt x="5753517" y="522815"/>
-                  </a:lnTo>
-                  <a:lnTo>
-                    <a:pt x="5662228" y="486635"/>
-                  </a:lnTo>
-                  <a:lnTo>
-                    <a:pt x="5570333" y="451668"/>
-                  </a:lnTo>
-                  <a:lnTo>
-                    <a:pt x="5477844" y="417923"/>
-                  </a:lnTo>
-                  <a:lnTo>
-                    <a:pt x="5384769" y="385409"/>
-                  </a:lnTo>
-                  <a:lnTo>
-                    <a:pt x="5291119" y="354137"/>
-                  </a:lnTo>
-                  <a:lnTo>
-                    <a:pt x="5196904" y="324116"/>
-                  </a:lnTo>
-                  <a:lnTo>
-                    <a:pt x="5102133" y="295356"/>
-                  </a:lnTo>
-                  <a:lnTo>
-                    <a:pt x="5006816" y="267868"/>
-                  </a:lnTo>
-                  <a:lnTo>
-                    <a:pt x="4910963" y="241660"/>
-                  </a:lnTo>
-                  <a:lnTo>
-                    <a:pt x="4814584" y="216743"/>
-                  </a:lnTo>
-                  <a:lnTo>
-                    <a:pt x="4717688" y="193127"/>
-                  </a:lnTo>
-                  <a:lnTo>
-                    <a:pt x="4620286" y="170821"/>
-                  </a:lnTo>
-                  <a:lnTo>
-                    <a:pt x="4522388" y="149836"/>
-                  </a:lnTo>
-                  <a:lnTo>
-                    <a:pt x="4424003" y="130180"/>
-                  </a:lnTo>
-                  <a:lnTo>
-                    <a:pt x="4325141" y="111865"/>
-                  </a:lnTo>
-                  <a:lnTo>
-                    <a:pt x="4225812" y="94899"/>
-                  </a:lnTo>
-                  <a:lnTo>
-                    <a:pt x="4126025" y="79294"/>
-                  </a:lnTo>
-                  <a:lnTo>
-                    <a:pt x="4025791" y="65057"/>
-                  </a:lnTo>
-                  <a:lnTo>
-                    <a:pt x="3925120" y="52200"/>
-                  </a:lnTo>
-                  <a:lnTo>
-                    <a:pt x="3824021" y="40733"/>
-                  </a:lnTo>
-                  <a:lnTo>
-                    <a:pt x="3722504" y="30664"/>
-                  </a:lnTo>
-                  <a:lnTo>
-                    <a:pt x="3620579" y="22004"/>
-                  </a:lnTo>
-                  <a:lnTo>
-                    <a:pt x="3518256" y="14763"/>
-                  </a:lnTo>
-                  <a:lnTo>
-                    <a:pt x="3415545" y="8951"/>
-                  </a:lnTo>
-                  <a:lnTo>
-                    <a:pt x="3312455" y="4577"/>
-                  </a:lnTo>
-                  <a:lnTo>
-                    <a:pt x="3208997" y="1651"/>
-                  </a:lnTo>
-                  <a:lnTo>
-                    <a:pt x="3105179" y="183"/>
-                  </a:lnTo>
-                  <a:lnTo>
-                    <a:pt x="3053139" y="0"/>
-                  </a:lnTo>
-                  <a:close/>
-                </a:path>
-              </a:pathLst>
-            </a:custGeom>
-            <a:solidFill>
-              <a:srgbClr val="FFFFFF"/>
-            </a:solidFill>
-          </p:spPr>
-          <p:txBody>
-            <a:bodyPr wrap="square" lIns="0" tIns="0" rIns="0" bIns="0" rtlCol="0"/>
-            <a:lstStyle/>
-            <a:p>
-              <a:endParaRPr dirty="0"/>
-            </a:p>
-          </p:txBody>
-        </p:sp>
-      </p:grpSp>
-      <p:sp>
-        <p:nvSpPr>
-          <p:cNvPr id="7" name="object 7"/>
-          <p:cNvSpPr txBox="1">
-            <a:spLocks noGrp="1"/>
-          </p:cNvSpPr>
-          <p:nvPr>
-            <p:ph type="title"/>
-          </p:nvPr>
-        </p:nvSpPr>
-        <p:spPr>
-          <a:xfrm>
-            <a:off x="5695950" y="3949065"/>
-            <a:ext cx="4753610" cy="1854200"/>
-          </a:xfrm>
-          <a:prstGeom prst="rect">
-            <a:avLst/>
-          </a:prstGeom>
-        </p:spPr>
-        <p:txBody>
-          <a:bodyPr vert="horz" wrap="square" lIns="0" tIns="12700" rIns="0" bIns="0" rtlCol="0">
-            <a:spAutoFit/>
-          </a:bodyPr>
-          <a:lstStyle/>
-          <a:p>
-            <a:pPr marL="12700">
-              <a:lnSpc>
-                <a:spcPct val="100000"/>
-              </a:lnSpc>
-              <a:spcBef>
-                <a:spcPts val="100"/>
-              </a:spcBef>
-            </a:pPr>
-            <a:r>
-              <a:rPr sz="6000" spc="180" dirty="0">
-                <a:latin typeface="Tahoma"/>
-                <a:cs typeface="Tahoma"/>
-              </a:rPr>
-              <a:t>Спасибо</a:t>
-            </a:r>
-            <a:endParaRPr sz="6000" dirty="0">
-              <a:latin typeface="Tahoma"/>
-              <a:cs typeface="Tahoma"/>
-            </a:endParaRPr>
-          </a:p>
-          <a:p>
-            <a:pPr marL="12700">
-              <a:lnSpc>
-                <a:spcPct val="100000"/>
-              </a:lnSpc>
-            </a:pPr>
-            <a:r>
-              <a:rPr sz="6000" dirty="0">
-                <a:latin typeface="Tahoma"/>
-                <a:cs typeface="Tahoma"/>
-              </a:rPr>
-              <a:t>за</a:t>
-            </a:r>
-            <a:r>
-              <a:rPr sz="6000" spc="-625" dirty="0">
-                <a:latin typeface="Tahoma"/>
-                <a:cs typeface="Tahoma"/>
-              </a:rPr>
-              <a:t> </a:t>
-            </a:r>
-            <a:r>
-              <a:rPr sz="6000" spc="110" dirty="0">
-                <a:latin typeface="Tahoma"/>
-                <a:cs typeface="Tahoma"/>
-              </a:rPr>
-              <a:t>внимание!</a:t>
-            </a:r>
-            <a:endParaRPr sz="6000" dirty="0">
-              <a:latin typeface="Tahoma"/>
-              <a:cs typeface="Tahoma"/>
-            </a:endParaRPr>
-          </a:p>
-        </p:txBody>
-      </p:sp>
-      <p:pic>
-        <p:nvPicPr>
-          <p:cNvPr id="22" name="object 9">
-            <a:extLst>
-              <a:ext uri="{FF2B5EF4-FFF2-40B4-BE49-F238E27FC236}">
-                <a16:creationId xmlns:a16="http://schemas.microsoft.com/office/drawing/2014/main" id="{B06F2A34-0361-4DFF-B49B-16655FF27D58}"/>
-              </a:ext>
-            </a:extLst>
-          </p:cNvPr>
-          <p:cNvPicPr/>
-          <p:nvPr/>
-        </p:nvPicPr>
-        <p:blipFill>
-          <a:blip r:embed="rId2" cstate="print"/>
-          <a:stretch>
-            <a:fillRect/>
-          </a:stretch>
-        </p:blipFill>
-        <p:spPr>
-          <a:xfrm>
-            <a:off x="1918715" y="331979"/>
-            <a:ext cx="2729483" cy="960119"/>
-          </a:xfrm>
-          <a:prstGeom prst="rect">
-            <a:avLst/>
-          </a:prstGeom>
-        </p:spPr>
-      </p:pic>
-    </p:spTree>
   </p:cSld>
   <p:clrMapOvr>
     <a:masterClrMapping/>
